--- a/new_SE401/Lectures/4-Static Testing/Static Testing.pptx
+++ b/new_SE401/Lectures/4-Static Testing/Static Testing.pptx
@@ -298,7 +298,7 @@
           <a:p>
             <a:fld id="{B2F5E2FA-C428-4CE7-95B0-168D3259A5BB}" type="datetimeFigureOut">
               <a:rPr lang="en-US" smtClean="0"/>
-              <a:t>10/18/2021</a:t>
+              <a:t>11/28/2021</a:t>
             </a:fld>
             <a:endParaRPr lang="en-US"/>
           </a:p>
@@ -549,7 +549,7 @@
           <a:p>
             <a:fld id="{B2F5E2FA-C428-4CE7-95B0-168D3259A5BB}" type="datetimeFigureOut">
               <a:rPr lang="en-US" smtClean="0"/>
-              <a:t>10/18/2021</a:t>
+              <a:t>11/28/2021</a:t>
             </a:fld>
             <a:endParaRPr lang="en-US"/>
           </a:p>
@@ -729,7 +729,7 @@
           <a:p>
             <a:fld id="{B2F5E2FA-C428-4CE7-95B0-168D3259A5BB}" type="datetimeFigureOut">
               <a:rPr lang="en-US" smtClean="0"/>
-              <a:t>10/18/2021</a:t>
+              <a:t>11/28/2021</a:t>
             </a:fld>
             <a:endParaRPr lang="en-US"/>
           </a:p>
@@ -985,7 +985,7 @@
           <a:p>
             <a:fld id="{B2F5E2FA-C428-4CE7-95B0-168D3259A5BB}" type="datetimeFigureOut">
               <a:rPr lang="en-US" smtClean="0"/>
-              <a:t>10/18/2021</a:t>
+              <a:t>11/28/2021</a:t>
             </a:fld>
             <a:endParaRPr lang="en-US"/>
           </a:p>
@@ -1330,7 +1330,7 @@
           <a:p>
             <a:fld id="{B2F5E2FA-C428-4CE7-95B0-168D3259A5BB}" type="datetimeFigureOut">
               <a:rPr lang="en-US" smtClean="0"/>
-              <a:t>10/18/2021</a:t>
+              <a:t>11/28/2021</a:t>
             </a:fld>
             <a:endParaRPr lang="en-US"/>
           </a:p>
@@ -1562,7 +1562,7 @@
           <a:p>
             <a:fld id="{B2F5E2FA-C428-4CE7-95B0-168D3259A5BB}" type="datetimeFigureOut">
               <a:rPr lang="en-US" smtClean="0"/>
-              <a:t>10/18/2021</a:t>
+              <a:t>11/28/2021</a:t>
             </a:fld>
             <a:endParaRPr lang="en-US"/>
           </a:p>
@@ -1929,7 +1929,7 @@
           <a:p>
             <a:fld id="{B2F5E2FA-C428-4CE7-95B0-168D3259A5BB}" type="datetimeFigureOut">
               <a:rPr lang="en-US" smtClean="0"/>
-              <a:t>10/18/2021</a:t>
+              <a:t>11/28/2021</a:t>
             </a:fld>
             <a:endParaRPr lang="en-US"/>
           </a:p>
@@ -2024,7 +2024,7 @@
           <a:p>
             <a:fld id="{B2F5E2FA-C428-4CE7-95B0-168D3259A5BB}" type="datetimeFigureOut">
               <a:rPr lang="en-US" smtClean="0"/>
-              <a:t>10/18/2021</a:t>
+              <a:t>11/28/2021</a:t>
             </a:fld>
             <a:endParaRPr lang="en-US"/>
           </a:p>
@@ -2247,7 +2247,7 @@
             <a:fld id="{B2F5E2FA-C428-4CE7-95B0-168D3259A5BB}" type="datetimeFigureOut">
               <a:rPr lang="en-US" smtClean="0"/>
               <a:pPr/>
-              <a:t>10/18/2021</a:t>
+              <a:t>11/28/2021</a:t>
             </a:fld>
             <a:endParaRPr lang="en-US"/>
           </a:p>
@@ -2418,7 +2418,7 @@
           <a:p>
             <a:fld id="{B2F5E2FA-C428-4CE7-95B0-168D3259A5BB}" type="datetimeFigureOut">
               <a:rPr lang="en-US" smtClean="0"/>
-              <a:t>10/18/2021</a:t>
+              <a:t>11/28/2021</a:t>
             </a:fld>
             <a:endParaRPr lang="en-US"/>
           </a:p>
@@ -2695,7 +2695,7 @@
           <a:p>
             <a:fld id="{B2F5E2FA-C428-4CE7-95B0-168D3259A5BB}" type="datetimeFigureOut">
               <a:rPr lang="en-US" smtClean="0"/>
-              <a:t>10/18/2021</a:t>
+              <a:t>11/28/2021</a:t>
             </a:fld>
             <a:endParaRPr lang="en-US"/>
           </a:p>
@@ -2948,7 +2948,7 @@
           <a:p>
             <a:fld id="{B2F5E2FA-C428-4CE7-95B0-168D3259A5BB}" type="datetimeFigureOut">
               <a:rPr lang="en-US" smtClean="0"/>
-              <a:t>10/18/2021</a:t>
+              <a:t>11/28/2021</a:t>
             </a:fld>
             <a:endParaRPr lang="en-US"/>
           </a:p>
@@ -3161,7 +3161,7 @@
           <a:p>
             <a:fld id="{B2F5E2FA-C428-4CE7-95B0-168D3259A5BB}" type="datetimeFigureOut">
               <a:rPr lang="en-US" smtClean="0"/>
-              <a:t>10/18/2021</a:t>
+              <a:t>11/28/2021</a:t>
             </a:fld>
             <a:endParaRPr lang="en-US"/>
           </a:p>
@@ -3604,6 +3604,10 @@
           <a:bodyPr/>
           <a:lstStyle/>
           <a:p>
+            <a:r>
+              <a:rPr lang="en-US"/>
+              <a:t>SE401: Software Quality Assurance and Testing</a:t>
+            </a:r>
             <a:endParaRPr lang="en-US"/>
           </a:p>
         </p:txBody>
